--- a/Vorlage_SPG.pptx
+++ b/Vorlage_SPG.pptx
@@ -226,7 +226,7 @@
           <a:p>
             <a:fld id="{27F97E59-91B5-4A6A-BDF9-57AB2B9A2806}" type="datetimeFigureOut">
               <a:rPr lang="de-DE" smtClean="0"/>
-              <a:t>05.02.21</a:t>
+              <a:t>06.02.21</a:t>
             </a:fld>
             <a:endParaRPr lang="de-DE"/>
           </a:p>
@@ -333,7 +333,7 @@
           <a:noFill/>
           <a:extLst>
             <a:ext uri="{909E8E84-426E-40dd-AFC4-6F175D3DCCD1}">
-              <a14:hiddenFill xmlns:a14="http://schemas.microsoft.com/office/drawing/2010/main" xmlns="">
+              <a14:hiddenFill xmlns="" xmlns:a14="http://schemas.microsoft.com/office/drawing/2010/main">
                 <a:solidFill>
                   <a:srgbClr val="FFFFFF"/>
                 </a:solidFill>
@@ -367,7 +367,7 @@
           <a:effectLst/>
           <a:extLst>
             <a:ext uri="{91240B29-F687-4f45-9708-019B960494DF}">
-              <a14:hiddenLine xmlns:a14="http://schemas.microsoft.com/office/drawing/2010/main" xmlns="" w="9525">
+              <a14:hiddenLine xmlns="" xmlns:a14="http://schemas.microsoft.com/office/drawing/2010/main" w="9525">
                 <a:solidFill>
                   <a:schemeClr val="tx1"/>
                 </a:solidFill>
@@ -377,7 +377,7 @@
               </a14:hiddenLine>
             </a:ext>
             <a:ext uri="{AF507438-7753-43e0-B8FC-AC1667EBCBE1}">
-              <a14:hiddenEffects xmlns:a14="http://schemas.microsoft.com/office/drawing/2010/main" xmlns="">
+              <a14:hiddenEffects xmlns="" xmlns:a14="http://schemas.microsoft.com/office/drawing/2010/main">
                 <a:effectLst>
                   <a:outerShdw dist="35921" dir="2700000" algn="ctr" rotWithShape="0">
                     <a:schemeClr val="bg2"/>
@@ -423,12 +423,12 @@
           <a:effectLst/>
           <a:extLst>
             <a:ext uri="{909E8E84-426E-40dd-AFC4-6F175D3DCCD1}">
-              <a14:hiddenFill xmlns:a14="http://schemas.microsoft.com/office/drawing/2010/main" xmlns="">
+              <a14:hiddenFill xmlns="" xmlns:a14="http://schemas.microsoft.com/office/drawing/2010/main">
                 <a:noFill/>
               </a14:hiddenFill>
             </a:ext>
             <a:ext uri="{AF507438-7753-43e0-B8FC-AC1667EBCBE1}">
-              <a14:hiddenEffects xmlns:a14="http://schemas.microsoft.com/office/drawing/2010/main" xmlns="">
+              <a14:hiddenEffects xmlns="" xmlns:a14="http://schemas.microsoft.com/office/drawing/2010/main">
                 <a:effectLst>
                   <a:outerShdw dist="35921" dir="2700000" algn="ctr" rotWithShape="0">
                     <a:schemeClr val="bg2"/>
@@ -474,12 +474,12 @@
           <a:effectLst/>
           <a:extLst>
             <a:ext uri="{909E8E84-426E-40dd-AFC4-6F175D3DCCD1}">
-              <a14:hiddenFill xmlns:a14="http://schemas.microsoft.com/office/drawing/2010/main" xmlns="">
+              <a14:hiddenFill xmlns="" xmlns:a14="http://schemas.microsoft.com/office/drawing/2010/main">
                 <a:noFill/>
               </a14:hiddenFill>
             </a:ext>
             <a:ext uri="{AF507438-7753-43e0-B8FC-AC1667EBCBE1}">
-              <a14:hiddenEffects xmlns:a14="http://schemas.microsoft.com/office/drawing/2010/main" xmlns="">
+              <a14:hiddenEffects xmlns="" xmlns:a14="http://schemas.microsoft.com/office/drawing/2010/main">
                 <a:effectLst>
                   <a:outerShdw dist="35921" dir="2700000" algn="ctr" rotWithShape="0">
                     <a:schemeClr val="bg2"/>
@@ -525,12 +525,12 @@
           <a:effectLst/>
           <a:extLst>
             <a:ext uri="{909E8E84-426E-40dd-AFC4-6F175D3DCCD1}">
-              <a14:hiddenFill xmlns:a14="http://schemas.microsoft.com/office/drawing/2010/main" xmlns="">
+              <a14:hiddenFill xmlns="" xmlns:a14="http://schemas.microsoft.com/office/drawing/2010/main">
                 <a:noFill/>
               </a14:hiddenFill>
             </a:ext>
             <a:ext uri="{AF507438-7753-43e0-B8FC-AC1667EBCBE1}">
-              <a14:hiddenEffects xmlns:a14="http://schemas.microsoft.com/office/drawing/2010/main" xmlns="">
+              <a14:hiddenEffects xmlns="" xmlns:a14="http://schemas.microsoft.com/office/drawing/2010/main">
                 <a:effectLst>
                   <a:outerShdw dist="35921" dir="2700000" algn="ctr" rotWithShape="0">
                     <a:schemeClr val="bg2"/>
@@ -641,7 +641,7 @@
           <a:p>
             <a:fld id="{2AC824AE-FCB7-45E4-9E30-440BA1D0EB46}" type="datetimeFigureOut">
               <a:rPr lang="de-DE" smtClean="0"/>
-              <a:t>05.02.21</a:t>
+              <a:t>06.02.21</a:t>
             </a:fld>
             <a:endParaRPr lang="de-DE"/>
           </a:p>
@@ -950,7 +950,7 @@
           <a:effectLst/>
           <a:extLst>
             <a:ext uri="{91240B29-F687-4f45-9708-019B960494DF}">
-              <a14:hiddenLine xmlns:a14="http://schemas.microsoft.com/office/drawing/2010/main" xmlns="" w="9525">
+              <a14:hiddenLine xmlns="" xmlns:a14="http://schemas.microsoft.com/office/drawing/2010/main" w="9525">
                 <a:solidFill>
                   <a:schemeClr val="tx1"/>
                 </a:solidFill>
@@ -960,7 +960,7 @@
               </a14:hiddenLine>
             </a:ext>
             <a:ext uri="{AF507438-7753-43e0-B8FC-AC1667EBCBE1}">
-              <a14:hiddenEffects xmlns:a14="http://schemas.microsoft.com/office/drawing/2010/main" xmlns="">
+              <a14:hiddenEffects xmlns="" xmlns:a14="http://schemas.microsoft.com/office/drawing/2010/main">
                 <a:effectLst>
                   <a:outerShdw dist="35921" dir="2700000" algn="ctr" rotWithShape="0">
                     <a:schemeClr val="bg2"/>
@@ -1003,7 +1003,7 @@
           </a:ln>
           <a:extLst>
             <a:ext uri="{91240B29-F687-4f45-9708-019B960494DF}">
-              <a14:hiddenLine xmlns:a14="http://schemas.microsoft.com/office/drawing/2010/main" xmlns="" w="3175">
+              <a14:hiddenLine xmlns="" xmlns:a14="http://schemas.microsoft.com/office/drawing/2010/main" w="3175">
                 <a:solidFill>
                   <a:srgbClr val="B5B5B5"/>
                 </a:solidFill>
@@ -1057,14 +1057,14 @@
           </a:ln>
           <a:extLst>
             <a:ext uri="{909E8E84-426E-40dd-AFC4-6F175D3DCCD1}">
-              <a14:hiddenFill xmlns:a14="http://schemas.microsoft.com/office/drawing/2010/main" xmlns="">
+              <a14:hiddenFill xmlns="" xmlns:a14="http://schemas.microsoft.com/office/drawing/2010/main">
                 <a:solidFill>
                   <a:srgbClr val="FFFFFF"/>
                 </a:solidFill>
               </a14:hiddenFill>
             </a:ext>
             <a:ext uri="{91240B29-F687-4f45-9708-019B960494DF}">
-              <a14:hiddenLine xmlns:a14="http://schemas.microsoft.com/office/drawing/2010/main" xmlns="" w="9525">
+              <a14:hiddenLine xmlns="" xmlns:a14="http://schemas.microsoft.com/office/drawing/2010/main" w="9525">
                 <a:solidFill>
                   <a:srgbClr val="000000"/>
                 </a:solidFill>
@@ -1101,7 +1101,7 @@
           <a:effectLst/>
           <a:extLst>
             <a:ext uri="{91240B29-F687-4f45-9708-019B960494DF}">
-              <a14:hiddenLine xmlns:a14="http://schemas.microsoft.com/office/drawing/2010/main" xmlns="" w="9525">
+              <a14:hiddenLine xmlns="" xmlns:a14="http://schemas.microsoft.com/office/drawing/2010/main" w="9525">
                 <a:solidFill>
                   <a:schemeClr val="tx1"/>
                 </a:solidFill>
@@ -1111,7 +1111,7 @@
               </a14:hiddenLine>
             </a:ext>
             <a:ext uri="{AF507438-7753-43e0-B8FC-AC1667EBCBE1}">
-              <a14:hiddenEffects xmlns:a14="http://schemas.microsoft.com/office/drawing/2010/main" xmlns="">
+              <a14:hiddenEffects xmlns="" xmlns:a14="http://schemas.microsoft.com/office/drawing/2010/main">
                 <a:effectLst>
                   <a:outerShdw dist="35921" dir="2700000" algn="ctr" rotWithShape="0">
                     <a:schemeClr val="bg2"/>
@@ -3100,14 +3100,14 @@
           <a:effectLst/>
           <a:extLst>
             <a:ext uri="{909E8E84-426E-40dd-AFC4-6F175D3DCCD1}">
-              <a14:hiddenFill xmlns:a14="http://schemas.microsoft.com/office/drawing/2010/main" xmlns="">
+              <a14:hiddenFill xmlns="" xmlns:a14="http://schemas.microsoft.com/office/drawing/2010/main">
                 <a:solidFill>
                   <a:srgbClr val="E9503E"/>
                 </a:solidFill>
               </a14:hiddenFill>
             </a:ext>
             <a:ext uri="{91240B29-F687-4f45-9708-019B960494DF}">
-              <a14:hiddenLine xmlns:a14="http://schemas.microsoft.com/office/drawing/2010/main" xmlns="" w="9525">
+              <a14:hiddenLine xmlns="" xmlns:a14="http://schemas.microsoft.com/office/drawing/2010/main" w="9525">
                 <a:solidFill>
                   <a:schemeClr val="tx1"/>
                 </a:solidFill>
@@ -3117,7 +3117,7 @@
               </a14:hiddenLine>
             </a:ext>
             <a:ext uri="{AF507438-7753-43e0-B8FC-AC1667EBCBE1}">
-              <a14:hiddenEffects xmlns:a14="http://schemas.microsoft.com/office/drawing/2010/main" xmlns="">
+              <a14:hiddenEffects xmlns="" xmlns:a14="http://schemas.microsoft.com/office/drawing/2010/main">
                 <a:effectLst>
                   <a:outerShdw dist="35921" dir="2700000" algn="ctr" rotWithShape="0">
                     <a:schemeClr val="bg2"/>
@@ -3162,7 +3162,7 @@
           </a:ln>
           <a:extLst>
             <a:ext uri="{909E8E84-426E-40dd-AFC4-6F175D3DCCD1}">
-              <a14:hiddenFill xmlns:a14="http://schemas.microsoft.com/office/drawing/2010/main" xmlns="">
+              <a14:hiddenFill xmlns="" xmlns:a14="http://schemas.microsoft.com/office/drawing/2010/main">
                 <a:noFill/>
               </a14:hiddenFill>
             </a:ext>
@@ -3203,7 +3203,7 @@
           </a:ln>
           <a:extLst>
             <a:ext uri="{909E8E84-426E-40dd-AFC4-6F175D3DCCD1}">
-              <a14:hiddenFill xmlns:a14="http://schemas.microsoft.com/office/drawing/2010/main" xmlns="">
+              <a14:hiddenFill xmlns="" xmlns:a14="http://schemas.microsoft.com/office/drawing/2010/main">
                 <a:noFill/>
               </a14:hiddenFill>
             </a:ext>
@@ -3241,7 +3241,7 @@
           </a:ln>
           <a:extLst>
             <a:ext uri="{91240B29-F687-4f45-9708-019B960494DF}">
-              <a14:hiddenLine xmlns:a14="http://schemas.microsoft.com/office/drawing/2010/main" xmlns="" w="3175">
+              <a14:hiddenLine xmlns="" xmlns:a14="http://schemas.microsoft.com/office/drawing/2010/main" w="3175">
                 <a:solidFill>
                   <a:srgbClr val="B5B5B5"/>
                 </a:solidFill>
@@ -3295,14 +3295,14 @@
           </a:ln>
           <a:extLst>
             <a:ext uri="{909E8E84-426E-40dd-AFC4-6F175D3DCCD1}">
-              <a14:hiddenFill xmlns:a14="http://schemas.microsoft.com/office/drawing/2010/main" xmlns="">
+              <a14:hiddenFill xmlns="" xmlns:a14="http://schemas.microsoft.com/office/drawing/2010/main">
                 <a:solidFill>
                   <a:srgbClr val="FFFFFF"/>
                 </a:solidFill>
               </a14:hiddenFill>
             </a:ext>
             <a:ext uri="{91240B29-F687-4f45-9708-019B960494DF}">
-              <a14:hiddenLine xmlns:a14="http://schemas.microsoft.com/office/drawing/2010/main" xmlns="" w="9525">
+              <a14:hiddenLine xmlns="" xmlns:a14="http://schemas.microsoft.com/office/drawing/2010/main" w="9525">
                 <a:solidFill>
                   <a:srgbClr val="000000"/>
                 </a:solidFill>
@@ -3339,7 +3339,7 @@
           <a:effectLst/>
           <a:extLst>
             <a:ext uri="{91240B29-F687-4f45-9708-019B960494DF}">
-              <a14:hiddenLine xmlns:a14="http://schemas.microsoft.com/office/drawing/2010/main" xmlns="" w="9525">
+              <a14:hiddenLine xmlns="" xmlns:a14="http://schemas.microsoft.com/office/drawing/2010/main" w="9525">
                 <a:solidFill>
                   <a:schemeClr val="tx1"/>
                 </a:solidFill>
@@ -3349,7 +3349,7 @@
               </a14:hiddenLine>
             </a:ext>
             <a:ext uri="{AF507438-7753-43e0-B8FC-AC1667EBCBE1}">
-              <a14:hiddenEffects xmlns:a14="http://schemas.microsoft.com/office/drawing/2010/main" xmlns="">
+              <a14:hiddenEffects xmlns="" xmlns:a14="http://schemas.microsoft.com/office/drawing/2010/main">
                 <a:effectLst>
                   <a:outerShdw dist="35921" dir="2700000" algn="ctr" rotWithShape="0">
                     <a:schemeClr val="bg2"/>
@@ -3395,7 +3395,7 @@
             </a:r>
             <a:fld id="{9D3E33FD-4154-9D47-861F-1BEC57372B22}" type="datetime1">
               <a:rPr lang="de-DE" sz="1300" smtClean="0"/>
-              <a:t>05.02.21</a:t>
+              <a:t>06.02.21</a:t>
             </a:fld>
             <a:r>
               <a:rPr lang="de-DE" sz="1300" dirty="0"/>
@@ -3820,7 +3820,7 @@
           <a:bodyPr/>
           <a:lstStyle/>
           <a:p>
-            <a:endParaRPr lang="de-DE"/>
+            <a:endParaRPr lang="de-DE" dirty="0"/>
           </a:p>
         </p:txBody>
       </p:sp>
@@ -3944,6 +3944,33 @@
             <a:r>
               <a:rPr lang="de-DE" dirty="0" err="1"/>
               <a:t>here</a:t>
+            </a:r>
+            <a:endParaRPr lang="de-DE" dirty="0"/>
+          </a:p>
+          <a:p>
+            <a:r>
+              <a:rPr lang="de-DE" dirty="0" err="1"/>
+              <a:t>Be</a:t>
+            </a:r>
+            <a:r>
+              <a:rPr lang="de-DE" dirty="0"/>
+              <a:t> </a:t>
+            </a:r>
+            <a:r>
+              <a:rPr lang="de-DE" dirty="0" err="1"/>
+              <a:t>Water</a:t>
+            </a:r>
+            <a:r>
+              <a:rPr lang="de-DE" dirty="0"/>
+              <a:t> </a:t>
+            </a:r>
+            <a:r>
+              <a:rPr lang="de-DE" dirty="0" err="1"/>
+              <a:t>my</a:t>
+            </a:r>
+            <a:r>
+              <a:rPr lang="de-DE"/>
+              <a:t> Friend</a:t>
             </a:r>
             <a:endParaRPr lang="de-DE" dirty="0"/>
           </a:p>
